--- a/docs/presentation_slides.pptx
+++ b/docs/presentation_slides.pptx
@@ -5,7 +5,7 @@
     <p:sldMasterId id="2147483706" r:id="rId1"/>
   </p:sldMasterIdLst>
   <p:notesMasterIdLst>
-    <p:notesMasterId r:id="rId20"/>
+    <p:notesMasterId r:id="rId19"/>
   </p:notesMasterIdLst>
   <p:sldIdLst>
     <p:sldId id="256" r:id="rId2"/>
@@ -15,17 +15,16 @@
     <p:sldId id="270" r:id="rId6"/>
     <p:sldId id="274" r:id="rId7"/>
     <p:sldId id="272" r:id="rId8"/>
-    <p:sldId id="273" r:id="rId9"/>
-    <p:sldId id="276" r:id="rId10"/>
-    <p:sldId id="277" r:id="rId11"/>
-    <p:sldId id="278" r:id="rId12"/>
-    <p:sldId id="280" r:id="rId13"/>
-    <p:sldId id="279" r:id="rId14"/>
-    <p:sldId id="281" r:id="rId15"/>
-    <p:sldId id="282" r:id="rId16"/>
-    <p:sldId id="283" r:id="rId17"/>
-    <p:sldId id="284" r:id="rId18"/>
-    <p:sldId id="285" r:id="rId19"/>
+    <p:sldId id="276" r:id="rId9"/>
+    <p:sldId id="277" r:id="rId10"/>
+    <p:sldId id="278" r:id="rId11"/>
+    <p:sldId id="280" r:id="rId12"/>
+    <p:sldId id="279" r:id="rId13"/>
+    <p:sldId id="281" r:id="rId14"/>
+    <p:sldId id="282" r:id="rId15"/>
+    <p:sldId id="283" r:id="rId16"/>
+    <p:sldId id="284" r:id="rId17"/>
+    <p:sldId id="285" r:id="rId18"/>
   </p:sldIdLst>
   <p:sldSz cx="12192000" cy="6858000"/>
   <p:notesSz cx="6858000" cy="9144000"/>
@@ -135,7 +134,7 @@
 <file path=ppt/revisionInfo.xml><?xml version="1.0" encoding="utf-8"?>
 <p1510:revInfo xmlns:a="http://schemas.openxmlformats.org/drawingml/2006/main" xmlns:r="http://schemas.openxmlformats.org/officeDocument/2006/relationships" xmlns:p1510="http://schemas.microsoft.com/office/powerpoint/2015/10/main">
   <p1510:revLst>
-    <p1510:client id="{BDBB6820-AE33-4C13-A129-16AD7816BCE2}" v="4" dt="2025-09-20T05:42:34.435"/>
+    <p1510:client id="{E3CEE807-8B66-48CB-A7A2-D3E22B0FB49A}" v="2" dt="2025-09-24T13:29:39.521"/>
   </p1510:revLst>
 </p1510:revInfo>
 </file>
@@ -144,19 +143,35 @@
 <pc:chgInfo xmlns:a="http://schemas.openxmlformats.org/drawingml/2006/main" xmlns:r="http://schemas.openxmlformats.org/officeDocument/2006/relationships" xmlns:ac="http://schemas.microsoft.com/office/drawing/2013/main/command" xmlns:pc="http://schemas.microsoft.com/office/powerpoint/2013/main/command">
   <pc:docChgLst>
     <pc:chgData name="Dhanushree K" userId="71a9c2b5ea743245" providerId="LiveId" clId="{80D837C3-0508-4908-9658-27A9F36FF9D5}"/>
-    <pc:docChg chg="undo custSel modSld">
-      <pc:chgData name="Dhanushree K" userId="71a9c2b5ea743245" providerId="LiveId" clId="{80D837C3-0508-4908-9658-27A9F36FF9D5}" dt="2025-09-20T05:43:15.671" v="20" actId="14100"/>
+    <pc:docChg chg="undo custSel delSld modSld">
+      <pc:chgData name="Dhanushree K" userId="71a9c2b5ea743245" providerId="LiveId" clId="{80D837C3-0508-4908-9658-27A9F36FF9D5}" dt="2025-09-24T13:32:59.771" v="135" actId="20577"/>
       <pc:docMkLst>
         <pc:docMk/>
       </pc:docMkLst>
       <pc:sldChg chg="addSp delSp modSp mod">
-        <pc:chgData name="Dhanushree K" userId="71a9c2b5ea743245" providerId="LiveId" clId="{80D837C3-0508-4908-9658-27A9F36FF9D5}" dt="2025-09-20T05:43:15.671" v="20" actId="14100"/>
+        <pc:chgData name="Dhanushree K" userId="71a9c2b5ea743245" providerId="LiveId" clId="{80D837C3-0508-4908-9658-27A9F36FF9D5}" dt="2025-09-24T13:30:47.476" v="64" actId="1076"/>
         <pc:sldMkLst>
           <pc:docMk/>
           <pc:sldMk cId="3248876219" sldId="272"/>
         </pc:sldMkLst>
-        <pc:picChg chg="add mod">
-          <ac:chgData name="Dhanushree K" userId="71a9c2b5ea743245" providerId="LiveId" clId="{80D837C3-0508-4908-9658-27A9F36FF9D5}" dt="2025-09-20T05:43:15.671" v="20" actId="14100"/>
+        <pc:spChg chg="del">
+          <ac:chgData name="Dhanushree K" userId="71a9c2b5ea743245" providerId="LiveId" clId="{80D837C3-0508-4908-9658-27A9F36FF9D5}" dt="2025-09-24T13:29:13.676" v="42" actId="21"/>
+          <ac:spMkLst>
+            <pc:docMk/>
+            <pc:sldMk cId="3248876219" sldId="272"/>
+            <ac:spMk id="2" creationId="{E6DB6111-A637-ACB4-B194-536D9B434A04}"/>
+          </ac:spMkLst>
+        </pc:spChg>
+        <pc:spChg chg="add del mod">
+          <ac:chgData name="Dhanushree K" userId="71a9c2b5ea743245" providerId="LiveId" clId="{80D837C3-0508-4908-9658-27A9F36FF9D5}" dt="2025-09-24T13:29:08.231" v="41" actId="21"/>
+          <ac:spMkLst>
+            <pc:docMk/>
+            <pc:sldMk cId="3248876219" sldId="272"/>
+            <ac:spMk id="8" creationId="{FD4A7969-3CEF-33CD-682A-73B4E57C3A28}"/>
+          </ac:spMkLst>
+        </pc:spChg>
+        <pc:picChg chg="add del mod">
+          <ac:chgData name="Dhanushree K" userId="71a9c2b5ea743245" providerId="LiveId" clId="{80D837C3-0508-4908-9658-27A9F36FF9D5}" dt="2025-09-24T13:29:05.045" v="40" actId="21"/>
           <ac:picMkLst>
             <pc:docMk/>
             <pc:sldMk cId="3248876219" sldId="272"/>
@@ -164,13 +179,90 @@
           </ac:picMkLst>
         </pc:picChg>
         <pc:picChg chg="del">
-          <ac:chgData name="Dhanushree K" userId="71a9c2b5ea743245" providerId="LiveId" clId="{80D837C3-0508-4908-9658-27A9F36FF9D5}" dt="2025-09-20T05:37:57.781" v="0" actId="21"/>
+          <ac:chgData name="Dhanushree K" userId="71a9c2b5ea743245" providerId="LiveId" clId="{80D837C3-0508-4908-9658-27A9F36FF9D5}" dt="2025-09-24T13:28:51.660" v="39" actId="21"/>
           <ac:picMkLst>
             <pc:docMk/>
             <pc:sldMk cId="3248876219" sldId="272"/>
-            <ac:picMk id="7" creationId="{F6631AFA-6762-75A7-7F19-AADE0FFB4E4B}"/>
+            <ac:picMk id="4" creationId="{D83226E2-E24C-AEA8-5D2C-266948D692DB}"/>
           </ac:picMkLst>
         </pc:picChg>
+        <pc:picChg chg="mod">
+          <ac:chgData name="Dhanushree K" userId="71a9c2b5ea743245" providerId="LiveId" clId="{80D837C3-0508-4908-9658-27A9F36FF9D5}" dt="2025-09-24T13:30:32.731" v="61" actId="14100"/>
+          <ac:picMkLst>
+            <pc:docMk/>
+            <pc:sldMk cId="3248876219" sldId="272"/>
+            <ac:picMk id="5" creationId="{D1F2A108-64BD-0005-B230-084D23EBEB86}"/>
+          </ac:picMkLst>
+        </pc:picChg>
+        <pc:picChg chg="mod">
+          <ac:chgData name="Dhanushree K" userId="71a9c2b5ea743245" providerId="LiveId" clId="{80D837C3-0508-4908-9658-27A9F36FF9D5}" dt="2025-09-24T13:30:41.965" v="63" actId="14100"/>
+          <ac:picMkLst>
+            <pc:docMk/>
+            <pc:sldMk cId="3248876219" sldId="272"/>
+            <ac:picMk id="6" creationId="{26292548-0E61-044E-211A-7F7CC08698CC}"/>
+          </ac:picMkLst>
+        </pc:picChg>
+        <pc:picChg chg="add mod">
+          <ac:chgData name="Dhanushree K" userId="71a9c2b5ea743245" providerId="LiveId" clId="{80D837C3-0508-4908-9658-27A9F36FF9D5}" dt="2025-09-24T13:30:35.900" v="62" actId="1076"/>
+          <ac:picMkLst>
+            <pc:docMk/>
+            <pc:sldMk cId="3248876219" sldId="272"/>
+            <ac:picMk id="9" creationId="{F7D9D6EA-D745-FE01-5877-DB55E71C39C9}"/>
+          </ac:picMkLst>
+        </pc:picChg>
+        <pc:picChg chg="add mod">
+          <ac:chgData name="Dhanushree K" userId="71a9c2b5ea743245" providerId="LiveId" clId="{80D837C3-0508-4908-9658-27A9F36FF9D5}" dt="2025-09-24T13:30:47.476" v="64" actId="1076"/>
+          <ac:picMkLst>
+            <pc:docMk/>
+            <pc:sldMk cId="3248876219" sldId="272"/>
+            <ac:picMk id="10" creationId="{A879044A-9741-F3F3-A1CE-43BD829786F3}"/>
+          </ac:picMkLst>
+        </pc:picChg>
+      </pc:sldChg>
+      <pc:sldChg chg="modSp del mod">
+        <pc:chgData name="Dhanushree K" userId="71a9c2b5ea743245" providerId="LiveId" clId="{80D837C3-0508-4908-9658-27A9F36FF9D5}" dt="2025-09-24T13:29:58.952" v="57" actId="2696"/>
+        <pc:sldMkLst>
+          <pc:docMk/>
+          <pc:sldMk cId="1906100478" sldId="273"/>
+        </pc:sldMkLst>
+        <pc:picChg chg="mod">
+          <ac:chgData name="Dhanushree K" userId="71a9c2b5ea743245" providerId="LiveId" clId="{80D837C3-0508-4908-9658-27A9F36FF9D5}" dt="2025-09-24T13:29:30.625" v="46" actId="1076"/>
+          <ac:picMkLst>
+            <pc:docMk/>
+            <pc:sldMk cId="1906100478" sldId="273"/>
+            <ac:picMk id="7" creationId="{B60AEA13-041F-7DD4-0AB9-F69F96332831}"/>
+          </ac:picMkLst>
+        </pc:picChg>
+      </pc:sldChg>
+      <pc:sldChg chg="modSp mod">
+        <pc:chgData name="Dhanushree K" userId="71a9c2b5ea743245" providerId="LiveId" clId="{80D837C3-0508-4908-9658-27A9F36FF9D5}" dt="2025-09-24T13:30:08.280" v="58" actId="113"/>
+        <pc:sldMkLst>
+          <pc:docMk/>
+          <pc:sldMk cId="66186292" sldId="274"/>
+        </pc:sldMkLst>
+        <pc:spChg chg="mod">
+          <ac:chgData name="Dhanushree K" userId="71a9c2b5ea743245" providerId="LiveId" clId="{80D837C3-0508-4908-9658-27A9F36FF9D5}" dt="2025-09-24T13:30:08.280" v="58" actId="113"/>
+          <ac:spMkLst>
+            <pc:docMk/>
+            <pc:sldMk cId="66186292" sldId="274"/>
+            <ac:spMk id="3" creationId="{D870A68B-83D7-3E17-D685-963B0C81C07D}"/>
+          </ac:spMkLst>
+        </pc:spChg>
+      </pc:sldChg>
+      <pc:sldChg chg="modSp mod">
+        <pc:chgData name="Dhanushree K" userId="71a9c2b5ea743245" providerId="LiveId" clId="{80D837C3-0508-4908-9658-27A9F36FF9D5}" dt="2025-09-24T13:32:59.771" v="135" actId="20577"/>
+        <pc:sldMkLst>
+          <pc:docMk/>
+          <pc:sldMk cId="4112450394" sldId="277"/>
+        </pc:sldMkLst>
+        <pc:spChg chg="mod">
+          <ac:chgData name="Dhanushree K" userId="71a9c2b5ea743245" providerId="LiveId" clId="{80D837C3-0508-4908-9658-27A9F36FF9D5}" dt="2025-09-24T13:32:59.771" v="135" actId="20577"/>
+          <ac:spMkLst>
+            <pc:docMk/>
+            <pc:sldMk cId="4112450394" sldId="277"/>
+            <ac:spMk id="3" creationId="{09EF34D9-2C4C-8343-EA9E-F7902DC8EECA}"/>
+          </ac:spMkLst>
+        </pc:spChg>
       </pc:sldChg>
       <pc:sldChg chg="delSp modSp mod">
         <pc:chgData name="Dhanushree K" userId="71a9c2b5ea743245" providerId="LiveId" clId="{80D837C3-0508-4908-9658-27A9F36FF9D5}" dt="2025-09-20T05:38:39.738" v="3" actId="21"/>
@@ -178,22 +270,6 @@
           <pc:docMk/>
           <pc:sldMk cId="1542636580" sldId="280"/>
         </pc:sldMkLst>
-        <pc:spChg chg="del">
-          <ac:chgData name="Dhanushree K" userId="71a9c2b5ea743245" providerId="LiveId" clId="{80D837C3-0508-4908-9658-27A9F36FF9D5}" dt="2025-09-20T05:38:39.738" v="3" actId="21"/>
-          <ac:spMkLst>
-            <pc:docMk/>
-            <pc:sldMk cId="1542636580" sldId="280"/>
-            <ac:spMk id="2" creationId="{E5644528-E27A-AF5E-25DF-F659CEC47118}"/>
-          </ac:spMkLst>
-        </pc:spChg>
-        <pc:spChg chg="del mod">
-          <ac:chgData name="Dhanushree K" userId="71a9c2b5ea743245" providerId="LiveId" clId="{80D837C3-0508-4908-9658-27A9F36FF9D5}" dt="2025-09-20T05:38:35.222" v="2" actId="21"/>
-          <ac:spMkLst>
-            <pc:docMk/>
-            <pc:sldMk cId="1542636580" sldId="280"/>
-            <ac:spMk id="3" creationId="{7A4C83E4-AE6D-BBF2-4507-10DEEFF2F7F3}"/>
-          </ac:spMkLst>
-        </pc:spChg>
       </pc:sldChg>
       <pc:sldChg chg="modSp mod">
         <pc:chgData name="Dhanushree K" userId="71a9c2b5ea743245" providerId="LiveId" clId="{80D837C3-0508-4908-9658-27A9F36FF9D5}" dt="2025-09-20T05:40:56.219" v="9" actId="207"/>
@@ -297,7 +373,7 @@
           <a:p>
             <a:fld id="{3BE821CA-5FED-4F4B-87E8-47E95304CBCA}" type="datetimeFigureOut">
               <a:rPr lang="en-IN" smtClean="0"/>
-              <a:t>20-09-2025</a:t>
+              <a:t>24-09-2025</a:t>
             </a:fld>
             <a:endParaRPr lang="en-IN"/>
           </a:p>
@@ -563,6 +639,90 @@
     </a:lvl9pPr>
   </p:notesStyle>
 </p:notesMaster>
+</file>
+
+<file path=ppt/notesSlides/notesSlide1.xml><?xml version="1.0" encoding="utf-8"?>
+<p:notes xmlns:a="http://schemas.openxmlformats.org/drawingml/2006/main" xmlns:r="http://schemas.openxmlformats.org/officeDocument/2006/relationships" xmlns:p="http://schemas.openxmlformats.org/presentationml/2006/main">
+  <p:cSld>
+    <p:spTree>
+      <p:nvGrpSpPr>
+        <p:cNvPr id="1" name=""/>
+        <p:cNvGrpSpPr/>
+        <p:nvPr/>
+      </p:nvGrpSpPr>
+      <p:grpSpPr>
+        <a:xfrm>
+          <a:off x="0" y="0"/>
+          <a:ext cx="0" cy="0"/>
+          <a:chOff x="0" y="0"/>
+          <a:chExt cx="0" cy="0"/>
+        </a:xfrm>
+      </p:grpSpPr>
+      <p:sp>
+        <p:nvSpPr>
+          <p:cNvPr id="2" name="Slide Image Placeholder 1"/>
+          <p:cNvSpPr>
+            <a:spLocks noGrp="1" noRot="1" noChangeAspect="1"/>
+          </p:cNvSpPr>
+          <p:nvPr>
+            <p:ph type="sldImg"/>
+          </p:nvPr>
+        </p:nvSpPr>
+        <p:spPr/>
+      </p:sp>
+      <p:sp>
+        <p:nvSpPr>
+          <p:cNvPr id="3" name="Notes Placeholder 2"/>
+          <p:cNvSpPr>
+            <a:spLocks noGrp="1"/>
+          </p:cNvSpPr>
+          <p:nvPr>
+            <p:ph type="body" idx="1"/>
+          </p:nvPr>
+        </p:nvSpPr>
+        <p:spPr/>
+        <p:txBody>
+          <a:bodyPr/>
+          <a:lstStyle/>
+          <a:p>
+            <a:endParaRPr lang="en-IN" dirty="0"/>
+          </a:p>
+        </p:txBody>
+      </p:sp>
+      <p:sp>
+        <p:nvSpPr>
+          <p:cNvPr id="4" name="Slide Number Placeholder 3"/>
+          <p:cNvSpPr>
+            <a:spLocks noGrp="1"/>
+          </p:cNvSpPr>
+          <p:nvPr>
+            <p:ph type="sldNum" sz="quarter" idx="5"/>
+          </p:nvPr>
+        </p:nvSpPr>
+        <p:spPr/>
+        <p:txBody>
+          <a:bodyPr/>
+          <a:lstStyle/>
+          <a:p>
+            <a:fld id="{2658367F-38CD-4299-875B-62EEC6F12149}" type="slidenum">
+              <a:rPr lang="en-IN" smtClean="0"/>
+              <a:t>7</a:t>
+            </a:fld>
+            <a:endParaRPr lang="en-IN"/>
+          </a:p>
+        </p:txBody>
+      </p:sp>
+    </p:spTree>
+    <p:extLst>
+      <p:ext uri="{BB962C8B-B14F-4D97-AF65-F5344CB8AC3E}">
+        <p14:creationId xmlns:p14="http://schemas.microsoft.com/office/powerpoint/2010/main" val="2210862126"/>
+      </p:ext>
+    </p:extLst>
+  </p:cSld>
+  <p:clrMapOvr>
+    <a:masterClrMapping/>
+  </p:clrMapOvr>
+</p:notes>
 </file>
 
 <file path=ppt/slideLayouts/slideLayout1.xml><?xml version="1.0" encoding="utf-8"?>
@@ -1287,7 +1447,7 @@
           <a:p>
             <a:fld id="{9079F711-6211-48A1-B2D9-F82C248E78B6}" type="datetimeFigureOut">
               <a:rPr lang="en-IN" smtClean="0"/>
-              <a:t>20-09-2025</a:t>
+              <a:t>24-09-2025</a:t>
             </a:fld>
             <a:endParaRPr lang="en-IN"/>
           </a:p>
@@ -1538,7 +1698,7 @@
           <a:p>
             <a:fld id="{9079F711-6211-48A1-B2D9-F82C248E78B6}" type="datetimeFigureOut">
               <a:rPr lang="en-IN" smtClean="0"/>
-              <a:t>20-09-2025</a:t>
+              <a:t>24-09-2025</a:t>
             </a:fld>
             <a:endParaRPr lang="en-IN"/>
           </a:p>
@@ -1852,7 +2012,7 @@
           <a:p>
             <a:fld id="{9079F711-6211-48A1-B2D9-F82C248E78B6}" type="datetimeFigureOut">
               <a:rPr lang="en-IN" smtClean="0"/>
-              <a:t>20-09-2025</a:t>
+              <a:t>24-09-2025</a:t>
             </a:fld>
             <a:endParaRPr lang="en-IN"/>
           </a:p>
@@ -2193,7 +2353,7 @@
           <a:p>
             <a:fld id="{9079F711-6211-48A1-B2D9-F82C248E78B6}" type="datetimeFigureOut">
               <a:rPr lang="en-IN" smtClean="0"/>
-              <a:t>20-09-2025</a:t>
+              <a:t>24-09-2025</a:t>
             </a:fld>
             <a:endParaRPr lang="en-IN"/>
           </a:p>
@@ -2507,7 +2667,7 @@
           <a:p>
             <a:fld id="{9079F711-6211-48A1-B2D9-F82C248E78B6}" type="datetimeFigureOut">
               <a:rPr lang="en-IN" smtClean="0"/>
-              <a:t>20-09-2025</a:t>
+              <a:t>24-09-2025</a:t>
             </a:fld>
             <a:endParaRPr lang="en-IN"/>
           </a:p>
@@ -2900,7 +3060,7 @@
           <a:p>
             <a:fld id="{9079F711-6211-48A1-B2D9-F82C248E78B6}" type="datetimeFigureOut">
               <a:rPr lang="en-IN" smtClean="0"/>
-              <a:t>20-09-2025</a:t>
+              <a:t>24-09-2025</a:t>
             </a:fld>
             <a:endParaRPr lang="en-IN"/>
           </a:p>
@@ -3070,7 +3230,7 @@
           <a:p>
             <a:fld id="{9079F711-6211-48A1-B2D9-F82C248E78B6}" type="datetimeFigureOut">
               <a:rPr lang="en-IN" smtClean="0"/>
-              <a:t>20-09-2025</a:t>
+              <a:t>24-09-2025</a:t>
             </a:fld>
             <a:endParaRPr lang="en-IN"/>
           </a:p>
@@ -3250,7 +3410,7 @@
           <a:p>
             <a:fld id="{9079F711-6211-48A1-B2D9-F82C248E78B6}" type="datetimeFigureOut">
               <a:rPr lang="en-IN" smtClean="0"/>
-              <a:t>20-09-2025</a:t>
+              <a:t>24-09-2025</a:t>
             </a:fld>
             <a:endParaRPr lang="en-IN"/>
           </a:p>
@@ -3426,7 +3586,7 @@
           <a:p>
             <a:fld id="{9079F711-6211-48A1-B2D9-F82C248E78B6}" type="datetimeFigureOut">
               <a:rPr lang="en-IN" smtClean="0"/>
-              <a:t>20-09-2025</a:t>
+              <a:t>24-09-2025</a:t>
             </a:fld>
             <a:endParaRPr lang="en-IN"/>
           </a:p>
@@ -3673,7 +3833,7 @@
           <a:p>
             <a:fld id="{9079F711-6211-48A1-B2D9-F82C248E78B6}" type="datetimeFigureOut">
               <a:rPr lang="en-IN" smtClean="0"/>
-              <a:t>20-09-2025</a:t>
+              <a:t>24-09-2025</a:t>
             </a:fld>
             <a:endParaRPr lang="en-IN"/>
           </a:p>
@@ -3905,7 +4065,7 @@
           <a:p>
             <a:fld id="{9079F711-6211-48A1-B2D9-F82C248E78B6}" type="datetimeFigureOut">
               <a:rPr lang="en-IN" smtClean="0"/>
-              <a:t>20-09-2025</a:t>
+              <a:t>24-09-2025</a:t>
             </a:fld>
             <a:endParaRPr lang="en-IN"/>
           </a:p>
@@ -4279,7 +4439,7 @@
           <a:p>
             <a:fld id="{9079F711-6211-48A1-B2D9-F82C248E78B6}" type="datetimeFigureOut">
               <a:rPr lang="en-IN" smtClean="0"/>
-              <a:t>20-09-2025</a:t>
+              <a:t>24-09-2025</a:t>
             </a:fld>
             <a:endParaRPr lang="en-IN"/>
           </a:p>
@@ -4402,7 +4562,7 @@
           <a:p>
             <a:fld id="{9079F711-6211-48A1-B2D9-F82C248E78B6}" type="datetimeFigureOut">
               <a:rPr lang="en-IN" smtClean="0"/>
-              <a:t>20-09-2025</a:t>
+              <a:t>24-09-2025</a:t>
             </a:fld>
             <a:endParaRPr lang="en-IN"/>
           </a:p>
@@ -4497,7 +4657,7 @@
           <a:p>
             <a:fld id="{9079F711-6211-48A1-B2D9-F82C248E78B6}" type="datetimeFigureOut">
               <a:rPr lang="en-IN" smtClean="0"/>
-              <a:t>20-09-2025</a:t>
+              <a:t>24-09-2025</a:t>
             </a:fld>
             <a:endParaRPr lang="en-IN"/>
           </a:p>
@@ -4752,7 +4912,7 @@
           <a:p>
             <a:fld id="{9079F711-6211-48A1-B2D9-F82C248E78B6}" type="datetimeFigureOut">
               <a:rPr lang="en-IN" smtClean="0"/>
-              <a:t>20-09-2025</a:t>
+              <a:t>24-09-2025</a:t>
             </a:fld>
             <a:endParaRPr lang="en-IN"/>
           </a:p>
@@ -5015,7 +5175,7 @@
           <a:p>
             <a:fld id="{9079F711-6211-48A1-B2D9-F82C248E78B6}" type="datetimeFigureOut">
               <a:rPr lang="en-IN" smtClean="0"/>
-              <a:t>20-09-2025</a:t>
+              <a:t>24-09-2025</a:t>
             </a:fld>
             <a:endParaRPr lang="en-IN"/>
           </a:p>
@@ -5758,7 +5918,7 @@
           <a:p>
             <a:fld id="{9079F711-6211-48A1-B2D9-F82C248E78B6}" type="datetimeFigureOut">
               <a:rPr lang="en-IN" smtClean="0"/>
-              <a:t>20-09-2025</a:t>
+              <a:t>24-09-2025</a:t>
             </a:fld>
             <a:endParaRPr lang="en-IN"/>
           </a:p>
@@ -6469,144 +6629,6 @@
 </file>
 
 <file path=ppt/slides/slide10.xml><?xml version="1.0" encoding="utf-8"?>
-<p:sld xmlns:a="http://schemas.openxmlformats.org/drawingml/2006/main" xmlns:r="http://schemas.openxmlformats.org/officeDocument/2006/relationships" xmlns:p="http://schemas.openxmlformats.org/presentationml/2006/main">
-  <p:cSld>
-    <p:spTree>
-      <p:nvGrpSpPr>
-        <p:cNvPr id="1" name=""/>
-        <p:cNvGrpSpPr/>
-        <p:nvPr/>
-      </p:nvGrpSpPr>
-      <p:grpSpPr>
-        <a:xfrm>
-          <a:off x="0" y="0"/>
-          <a:ext cx="0" cy="0"/>
-          <a:chOff x="0" y="0"/>
-          <a:chExt cx="0" cy="0"/>
-        </a:xfrm>
-      </p:grpSpPr>
-      <p:sp>
-        <p:nvSpPr>
-          <p:cNvPr id="2" name="Title 1">
-            <a:extLst>
-              <a:ext uri="{FF2B5EF4-FFF2-40B4-BE49-F238E27FC236}">
-                <a16:creationId xmlns:a16="http://schemas.microsoft.com/office/drawing/2014/main" id="{E4F067B7-D39F-D900-7C31-6046D779CF32}"/>
-              </a:ext>
-            </a:extLst>
-          </p:cNvPr>
-          <p:cNvSpPr>
-            <a:spLocks noGrp="1"/>
-          </p:cNvSpPr>
-          <p:nvPr>
-            <p:ph type="title"/>
-          </p:nvPr>
-        </p:nvSpPr>
-        <p:spPr/>
-        <p:txBody>
-          <a:bodyPr/>
-          <a:lstStyle/>
-          <a:p>
-            <a:r>
-              <a:rPr lang="en-IN" dirty="0"/>
-              <a:t>Evaluation Setup</a:t>
-            </a:r>
-          </a:p>
-        </p:txBody>
-      </p:sp>
-      <p:sp>
-        <p:nvSpPr>
-          <p:cNvPr id="3" name="Content Placeholder 2">
-            <a:extLst>
-              <a:ext uri="{FF2B5EF4-FFF2-40B4-BE49-F238E27FC236}">
-                <a16:creationId xmlns:a16="http://schemas.microsoft.com/office/drawing/2014/main" id="{09EF34D9-2C4C-8343-EA9E-F7902DC8EECA}"/>
-              </a:ext>
-            </a:extLst>
-          </p:cNvPr>
-          <p:cNvSpPr>
-            <a:spLocks noGrp="1"/>
-          </p:cNvSpPr>
-          <p:nvPr>
-            <p:ph idx="1"/>
-          </p:nvPr>
-        </p:nvSpPr>
-        <p:spPr/>
-        <p:txBody>
-          <a:bodyPr/>
-          <a:lstStyle/>
-          <a:p>
-            <a:r>
-              <a:rPr lang="en-IN" b="1" dirty="0"/>
-              <a:t>Workloads used:</a:t>
-            </a:r>
-            <a:r>
-              <a:rPr lang="en-IN" dirty="0"/>
-              <a:t> CPU-bound, IO-bound, Batch, Real-time, Stress, Mixed Realistic</a:t>
-            </a:r>
-          </a:p>
-          <a:p>
-            <a:r>
-              <a:rPr lang="en-IN" b="1" dirty="0"/>
-              <a:t>Dataset sizes:</a:t>
-            </a:r>
-            <a:r>
-              <a:rPr lang="en-IN" dirty="0"/>
-              <a:t> ~900–1400 tasks per workload (Mixed Realistic = 1227 tasks)</a:t>
-            </a:r>
-          </a:p>
-          <a:p>
-            <a:r>
-              <a:rPr lang="en-IN" b="1" dirty="0"/>
-              <a:t>Metrics evaluated:</a:t>
-            </a:r>
-            <a:endParaRPr lang="en-IN" dirty="0"/>
-          </a:p>
-          <a:p>
-            <a:pPr lvl="1"/>
-            <a:r>
-              <a:rPr lang="en-IN" dirty="0"/>
-              <a:t>Turnaround time (average, median)</a:t>
-            </a:r>
-          </a:p>
-          <a:p>
-            <a:pPr lvl="1"/>
-            <a:r>
-              <a:rPr lang="en-IN" dirty="0"/>
-              <a:t>Response time (average, p95)</a:t>
-            </a:r>
-          </a:p>
-          <a:p>
-            <a:pPr lvl="1"/>
-            <a:r>
-              <a:rPr lang="en-IN" dirty="0"/>
-              <a:t>Fairness (Jain index)</a:t>
-            </a:r>
-          </a:p>
-          <a:p>
-            <a:pPr lvl="1"/>
-            <a:r>
-              <a:rPr lang="en-IN" dirty="0"/>
-              <a:t>Throughput &amp; CPU utilization</a:t>
-            </a:r>
-          </a:p>
-          <a:p>
-            <a:endParaRPr lang="en-IN" dirty="0"/>
-          </a:p>
-        </p:txBody>
-      </p:sp>
-    </p:spTree>
-    <p:extLst>
-      <p:ext uri="{BB962C8B-B14F-4D97-AF65-F5344CB8AC3E}">
-        <p14:creationId xmlns:p14="http://schemas.microsoft.com/office/powerpoint/2010/main" val="4112450394"/>
-      </p:ext>
-    </p:extLst>
-  </p:cSld>
-  <p:clrMapOvr>
-    <a:masterClrMapping/>
-  </p:clrMapOvr>
-</p:sld>
-</file>
-
-<file path=ppt/slides/slide11.xml><?xml version="1.0" encoding="utf-8"?>
 <p:sld xmlns:a="http://schemas.openxmlformats.org/drawingml/2006/main" xmlns:r="http://schemas.openxmlformats.org/officeDocument/2006/relationships" xmlns:p="http://schemas.openxmlformats.org/presentationml/2006/main">
   <p:cSld>
     <p:spTree>
@@ -7659,7 +7681,7 @@
 </p:sld>
 </file>
 
-<file path=ppt/slides/slide12.xml><?xml version="1.0" encoding="utf-8"?>
+<file path=ppt/slides/slide11.xml><?xml version="1.0" encoding="utf-8"?>
 <p:sld xmlns:a="http://schemas.openxmlformats.org/drawingml/2006/main" xmlns:r="http://schemas.openxmlformats.org/officeDocument/2006/relationships" xmlns:p="http://schemas.openxmlformats.org/presentationml/2006/main">
   <p:cSld>
     <p:spTree>
@@ -7857,7 +7879,7 @@
 </p:sld>
 </file>
 
-<file path=ppt/slides/slide13.xml><?xml version="1.0" encoding="utf-8"?>
+<file path=ppt/slides/slide12.xml><?xml version="1.0" encoding="utf-8"?>
 <p:sld xmlns:a="http://schemas.openxmlformats.org/drawingml/2006/main" xmlns:r="http://schemas.openxmlformats.org/officeDocument/2006/relationships" xmlns:p="http://schemas.openxmlformats.org/presentationml/2006/main">
   <p:cSld>
     <p:spTree>
@@ -8244,7 +8266,7 @@
 </p:sld>
 </file>
 
-<file path=ppt/slides/slide14.xml><?xml version="1.0" encoding="utf-8"?>
+<file path=ppt/slides/slide13.xml><?xml version="1.0" encoding="utf-8"?>
 <p:sld xmlns:a="http://schemas.openxmlformats.org/drawingml/2006/main" xmlns:r="http://schemas.openxmlformats.org/officeDocument/2006/relationships" xmlns:p="http://schemas.openxmlformats.org/presentationml/2006/main">
   <p:cSld>
     <p:spTree>
@@ -9028,7 +9050,7 @@
 </p:sld>
 </file>
 
-<file path=ppt/slides/slide15.xml><?xml version="1.0" encoding="utf-8"?>
+<file path=ppt/slides/slide14.xml><?xml version="1.0" encoding="utf-8"?>
 <p:sld xmlns:a="http://schemas.openxmlformats.org/drawingml/2006/main" xmlns:r="http://schemas.openxmlformats.org/officeDocument/2006/relationships" xmlns:p="http://schemas.openxmlformats.org/presentationml/2006/main">
   <p:cSld>
     <p:spTree>
@@ -9158,7 +9180,7 @@
 </p:sld>
 </file>
 
-<file path=ppt/slides/slide16.xml><?xml version="1.0" encoding="utf-8"?>
+<file path=ppt/slides/slide15.xml><?xml version="1.0" encoding="utf-8"?>
 <p:sld xmlns:a="http://schemas.openxmlformats.org/drawingml/2006/main" xmlns:r="http://schemas.openxmlformats.org/officeDocument/2006/relationships" xmlns:p="http://schemas.openxmlformats.org/presentationml/2006/main">
   <p:cSld>
     <p:spTree>
@@ -9417,7 +9439,7 @@
 </p:sld>
 </file>
 
-<file path=ppt/slides/slide17.xml><?xml version="1.0" encoding="utf-8"?>
+<file path=ppt/slides/slide16.xml><?xml version="1.0" encoding="utf-8"?>
 <p:sld xmlns:a="http://schemas.openxmlformats.org/drawingml/2006/main" xmlns:r="http://schemas.openxmlformats.org/officeDocument/2006/relationships" xmlns:p="http://schemas.openxmlformats.org/presentationml/2006/main">
   <p:cSld>
     <p:spTree>
@@ -9532,7 +9554,7 @@
 </p:sld>
 </file>
 
-<file path=ppt/slides/slide18.xml><?xml version="1.0" encoding="utf-8"?>
+<file path=ppt/slides/slide17.xml><?xml version="1.0" encoding="utf-8"?>
 <p:sld xmlns:a="http://schemas.openxmlformats.org/drawingml/2006/main" xmlns:r="http://schemas.openxmlformats.org/officeDocument/2006/relationships" xmlns:p="http://schemas.openxmlformats.org/presentationml/2006/main">
   <p:cSld>
     <p:spTree>
@@ -10446,13 +10468,8 @@
             <a:pPr lvl="1"/>
             <a:r>
               <a:rPr lang="en-US" sz="1800" dirty="0"/>
-              <a:t>All models achieve </a:t>
-            </a:r>
-            <a:r>
-              <a:rPr lang="en-US" sz="1800" b="1" dirty="0"/>
-              <a:t>99–100% test accuracy</a:t>
-            </a:r>
-            <a:endParaRPr lang="en-US" sz="1800" dirty="0"/>
+              <a:t>All models achieve &gt;95% test accuracy</a:t>
+            </a:r>
           </a:p>
           <a:p>
             <a:pPr lvl="1"/>
@@ -10500,79 +10517,6 @@
           <a:chExt cx="0" cy="0"/>
         </a:xfrm>
       </p:grpSpPr>
-      <p:sp>
-        <p:nvSpPr>
-          <p:cNvPr id="2" name="Title 1">
-            <a:extLst>
-              <a:ext uri="{FF2B5EF4-FFF2-40B4-BE49-F238E27FC236}">
-                <a16:creationId xmlns:a16="http://schemas.microsoft.com/office/drawing/2014/main" id="{E6DB6111-A637-ACB4-B194-536D9B434A04}"/>
-              </a:ext>
-            </a:extLst>
-          </p:cNvPr>
-          <p:cNvSpPr>
-            <a:spLocks noGrp="1"/>
-          </p:cNvSpPr>
-          <p:nvPr>
-            <p:ph type="title"/>
-          </p:nvPr>
-        </p:nvSpPr>
-        <p:spPr/>
-        <p:txBody>
-          <a:bodyPr/>
-          <a:lstStyle/>
-          <a:p>
-            <a:endParaRPr lang="en-IN"/>
-          </a:p>
-        </p:txBody>
-      </p:sp>
-      <p:pic>
-        <p:nvPicPr>
-          <p:cNvPr id="4" name="Content Placeholder 3">
-            <a:extLst>
-              <a:ext uri="{FF2B5EF4-FFF2-40B4-BE49-F238E27FC236}">
-                <a16:creationId xmlns:a16="http://schemas.microsoft.com/office/drawing/2014/main" id="{D83226E2-E24C-AEA8-5D2C-266948D692DB}"/>
-              </a:ext>
-            </a:extLst>
-          </p:cNvPr>
-          <p:cNvPicPr>
-            <a:picLocks noGrp="1" noChangeAspect="1"/>
-          </p:cNvPicPr>
-          <p:nvPr>
-            <p:ph idx="1"/>
-          </p:nvPr>
-        </p:nvPicPr>
-        <p:blipFill rotWithShape="1">
-          <a:blip r:embed="rId2">
-            <a:extLst>
-              <a:ext uri="{28A0092B-C50C-407E-A947-70E740481C1C}">
-                <a14:useLocalDpi xmlns:a14="http://schemas.microsoft.com/office/drawing/2010/main" val="0"/>
-              </a:ext>
-            </a:extLst>
-          </a:blip>
-          <a:srcRect r="7864"/>
-          <a:stretch>
-            <a:fillRect/>
-          </a:stretch>
-        </p:blipFill>
-        <p:spPr bwMode="auto">
-          <a:xfrm>
-            <a:off x="620674" y="572404"/>
-            <a:ext cx="4917977" cy="3228516"/>
-          </a:xfrm>
-          <a:prstGeom prst="rect">
-            <a:avLst/>
-          </a:prstGeom>
-          <a:noFill/>
-          <a:ln>
-            <a:noFill/>
-          </a:ln>
-          <a:extLst>
-            <a:ext uri="{53640926-AAD7-44D8-BBD7-CCE9431645EC}">
-              <a14:shadowObscured xmlns:a14="http://schemas.microsoft.com/office/drawing/2010/main"/>
-            </a:ext>
-          </a:extLst>
-        </p:spPr>
-      </p:pic>
       <p:pic>
         <p:nvPicPr>
           <p:cNvPr id="5" name="Picture 4">
@@ -10602,8 +10546,8 @@
         </p:blipFill>
         <p:spPr bwMode="auto">
           <a:xfrm>
-            <a:off x="5538651" y="572404"/>
-            <a:ext cx="5738948" cy="3015528"/>
+            <a:off x="85180" y="520150"/>
+            <a:ext cx="6010819" cy="3015528"/>
           </a:xfrm>
           <a:prstGeom prst="rect">
             <a:avLst/>
@@ -10643,8 +10587,8 @@
         </p:blipFill>
         <p:spPr bwMode="auto">
           <a:xfrm>
-            <a:off x="5895704" y="3727269"/>
-            <a:ext cx="5486400" cy="2917371"/>
+            <a:off x="337729" y="3611143"/>
+            <a:ext cx="5755824" cy="2917371"/>
           </a:xfrm>
           <a:prstGeom prst="rect">
             <a:avLst/>
@@ -10657,10 +10601,10 @@
       </p:pic>
       <p:pic>
         <p:nvPicPr>
-          <p:cNvPr id="3" name="Picture 2">
+          <p:cNvPr id="9" name="Picture 8">
             <a:extLst>
               <a:ext uri="{FF2B5EF4-FFF2-40B4-BE49-F238E27FC236}">
-                <a16:creationId xmlns:a16="http://schemas.microsoft.com/office/drawing/2014/main" id="{8823B1B5-2970-211E-9939-CA08909C992A}"/>
+                <a16:creationId xmlns:a16="http://schemas.microsoft.com/office/drawing/2014/main" id="{F7D9D6EA-D745-FE01-5877-DB55E71C39C9}"/>
               </a:ext>
             </a:extLst>
           </p:cNvPr>
@@ -10684,8 +10628,49 @@
         </p:blipFill>
         <p:spPr bwMode="auto">
           <a:xfrm>
-            <a:off x="452846" y="3727269"/>
-            <a:ext cx="5264331" cy="2847702"/>
+            <a:off x="5997664" y="433065"/>
+            <a:ext cx="5731510" cy="2813792"/>
+          </a:xfrm>
+          <a:prstGeom prst="rect">
+            <a:avLst/>
+          </a:prstGeom>
+          <a:noFill/>
+          <a:ln>
+            <a:noFill/>
+          </a:ln>
+        </p:spPr>
+      </p:pic>
+      <p:pic>
+        <p:nvPicPr>
+          <p:cNvPr id="10" name="Picture 9">
+            <a:extLst>
+              <a:ext uri="{FF2B5EF4-FFF2-40B4-BE49-F238E27FC236}">
+                <a16:creationId xmlns:a16="http://schemas.microsoft.com/office/drawing/2014/main" id="{A879044A-9741-F3F3-A1CE-43BD829786F3}"/>
+              </a:ext>
+            </a:extLst>
+          </p:cNvPr>
+          <p:cNvPicPr>
+            <a:picLocks noChangeAspect="1"/>
+          </p:cNvPicPr>
+          <p:nvPr/>
+        </p:nvPicPr>
+        <p:blipFill>
+          <a:blip r:embed="rId6">
+            <a:extLst>
+              <a:ext uri="{28A0092B-C50C-407E-A947-70E740481C1C}">
+                <a14:useLocalDpi xmlns:a14="http://schemas.microsoft.com/office/drawing/2010/main" val="0"/>
+              </a:ext>
+            </a:extLst>
+          </a:blip>
+          <a:srcRect/>
+          <a:stretch>
+            <a:fillRect/>
+          </a:stretch>
+        </p:blipFill>
+        <p:spPr bwMode="auto">
+          <a:xfrm>
+            <a:off x="6199231" y="3566511"/>
+            <a:ext cx="5529943" cy="3006634"/>
           </a:xfrm>
           <a:prstGeom prst="rect">
             <a:avLst/>
@@ -10731,7 +10716,7 @@
           <p:cNvPr id="2" name="Title 1">
             <a:extLst>
               <a:ext uri="{FF2B5EF4-FFF2-40B4-BE49-F238E27FC236}">
-                <a16:creationId xmlns:a16="http://schemas.microsoft.com/office/drawing/2014/main" id="{1FC05B9D-7D6B-0B63-D034-7E0F35D64F8F}"/>
+                <a16:creationId xmlns:a16="http://schemas.microsoft.com/office/drawing/2014/main" id="{86323A86-B015-BDBA-C340-28C32A182BF5}"/>
               </a:ext>
             </a:extLst>
           </p:cNvPr>
@@ -10747,185 +10732,137 @@
           <a:bodyPr/>
           <a:lstStyle/>
           <a:p>
-            <a:endParaRPr lang="en-IN"/>
-          </a:p>
-        </p:txBody>
-      </p:sp>
-      <p:pic>
-        <p:nvPicPr>
-          <p:cNvPr id="4" name="Picture 3">
+            <a:r>
+              <a:rPr lang="en-IN" dirty="0"/>
+              <a:t>Scheduler Design</a:t>
+            </a:r>
+          </a:p>
+        </p:txBody>
+      </p:sp>
+      <p:sp>
+        <p:nvSpPr>
+          <p:cNvPr id="3" name="Content Placeholder 2">
             <a:extLst>
               <a:ext uri="{FF2B5EF4-FFF2-40B4-BE49-F238E27FC236}">
-                <a16:creationId xmlns:a16="http://schemas.microsoft.com/office/drawing/2014/main" id="{2F5D7C88-FE6E-C769-19B8-BE22FBA07B82}"/>
+                <a16:creationId xmlns:a16="http://schemas.microsoft.com/office/drawing/2014/main" id="{32D3F206-C6BF-DA72-7244-1F53BD53E9D0}"/>
               </a:ext>
             </a:extLst>
           </p:cNvPr>
-          <p:cNvPicPr>
-            <a:picLocks noChangeAspect="1"/>
-          </p:cNvPicPr>
-          <p:nvPr/>
-        </p:nvPicPr>
-        <p:blipFill rotWithShape="1">
-          <a:blip r:embed="rId2">
-            <a:extLst>
-              <a:ext uri="{28A0092B-C50C-407E-A947-70E740481C1C}">
-                <a14:useLocalDpi xmlns:a14="http://schemas.microsoft.com/office/drawing/2010/main" val="0"/>
-              </a:ext>
-            </a:extLst>
-          </a:blip>
-          <a:srcRect b="14014"/>
-          <a:stretch>
-            <a:fillRect/>
-          </a:stretch>
-        </p:blipFill>
-        <p:spPr bwMode="auto">
+          <p:cNvSpPr>
+            <a:spLocks noGrp="1"/>
+          </p:cNvSpPr>
+          <p:nvPr>
+            <p:ph idx="1"/>
+          </p:nvPr>
+        </p:nvSpPr>
+        <p:spPr>
           <a:xfrm>
-            <a:off x="409304" y="595298"/>
-            <a:ext cx="5399314" cy="2955622"/>
+            <a:off x="677334" y="1724297"/>
+            <a:ext cx="8596668" cy="4415246"/>
           </a:xfrm>
-          <a:prstGeom prst="rect">
-            <a:avLst/>
-          </a:prstGeom>
-          <a:noFill/>
-          <a:ln>
-            <a:noFill/>
-          </a:ln>
-          <a:extLst>
-            <a:ext uri="{53640926-AAD7-44D8-BBD7-CCE9431645EC}">
-              <a14:shadowObscured xmlns:a14="http://schemas.microsoft.com/office/drawing/2010/main"/>
-            </a:ext>
-          </a:extLst>
         </p:spPr>
-      </p:pic>
-      <p:pic>
-        <p:nvPicPr>
-          <p:cNvPr id="5" name="Content Placeholder 4">
-            <a:extLst>
-              <a:ext uri="{FF2B5EF4-FFF2-40B4-BE49-F238E27FC236}">
-                <a16:creationId xmlns:a16="http://schemas.microsoft.com/office/drawing/2014/main" id="{2ED9A336-762B-30A8-ACF4-7A9F793BD295}"/>
-              </a:ext>
-            </a:extLst>
-          </p:cNvPr>
-          <p:cNvPicPr>
-            <a:picLocks noGrp="1" noChangeAspect="1"/>
-          </p:cNvPicPr>
-          <p:nvPr>
-            <p:ph idx="1"/>
-          </p:nvPr>
-        </p:nvPicPr>
-        <p:blipFill>
-          <a:blip r:embed="rId3">
-            <a:extLst>
-              <a:ext uri="{28A0092B-C50C-407E-A947-70E740481C1C}">
-                <a14:useLocalDpi xmlns:a14="http://schemas.microsoft.com/office/drawing/2010/main" val="0"/>
-              </a:ext>
-            </a:extLst>
-          </a:blip>
-          <a:srcRect/>
-          <a:stretch>
-            <a:fillRect/>
-          </a:stretch>
-        </p:blipFill>
-        <p:spPr bwMode="auto">
-          <a:xfrm>
-            <a:off x="513805" y="3550920"/>
-            <a:ext cx="5373187" cy="3134162"/>
-          </a:xfrm>
-          <a:prstGeom prst="rect">
-            <a:avLst/>
-          </a:prstGeom>
-          <a:noFill/>
-          <a:ln>
-            <a:noFill/>
-          </a:ln>
-        </p:spPr>
-      </p:pic>
-      <p:pic>
-        <p:nvPicPr>
-          <p:cNvPr id="6" name="Picture 5">
-            <a:extLst>
-              <a:ext uri="{FF2B5EF4-FFF2-40B4-BE49-F238E27FC236}">
-                <a16:creationId xmlns:a16="http://schemas.microsoft.com/office/drawing/2014/main" id="{AB99CE03-73EA-3B2B-0A72-2C57501DC812}"/>
-              </a:ext>
-            </a:extLst>
-          </p:cNvPr>
-          <p:cNvPicPr>
-            <a:picLocks noChangeAspect="1"/>
-          </p:cNvPicPr>
-          <p:nvPr/>
-        </p:nvPicPr>
-        <p:blipFill>
-          <a:blip r:embed="rId4">
-            <a:extLst>
-              <a:ext uri="{28A0092B-C50C-407E-A947-70E740481C1C}">
-                <a14:useLocalDpi xmlns:a14="http://schemas.microsoft.com/office/drawing/2010/main" val="0"/>
-              </a:ext>
-            </a:extLst>
-          </a:blip>
-          <a:srcRect/>
-          <a:stretch>
-            <a:fillRect/>
-          </a:stretch>
-        </p:blipFill>
-        <p:spPr bwMode="auto">
-          <a:xfrm>
-            <a:off x="5808617" y="3550920"/>
-            <a:ext cx="5529943" cy="3006634"/>
-          </a:xfrm>
-          <a:prstGeom prst="rect">
-            <a:avLst/>
-          </a:prstGeom>
-          <a:noFill/>
-          <a:ln>
-            <a:noFill/>
-          </a:ln>
-        </p:spPr>
-      </p:pic>
-      <p:pic>
-        <p:nvPicPr>
-          <p:cNvPr id="7" name="Picture 6">
-            <a:extLst>
-              <a:ext uri="{FF2B5EF4-FFF2-40B4-BE49-F238E27FC236}">
-                <a16:creationId xmlns:a16="http://schemas.microsoft.com/office/drawing/2014/main" id="{B60AEA13-041F-7DD4-0AB9-F69F96332831}"/>
-              </a:ext>
-            </a:extLst>
-          </p:cNvPr>
-          <p:cNvPicPr>
-            <a:picLocks noChangeAspect="1"/>
-          </p:cNvPicPr>
-          <p:nvPr/>
-        </p:nvPicPr>
-        <p:blipFill>
-          <a:blip r:embed="rId5">
-            <a:extLst>
-              <a:ext uri="{28A0092B-C50C-407E-A947-70E740481C1C}">
-                <a14:useLocalDpi xmlns:a14="http://schemas.microsoft.com/office/drawing/2010/main" val="0"/>
-              </a:ext>
-            </a:extLst>
-          </a:blip>
-          <a:srcRect/>
-          <a:stretch>
-            <a:fillRect/>
-          </a:stretch>
-        </p:blipFill>
-        <p:spPr bwMode="auto">
-          <a:xfrm>
-            <a:off x="5707834" y="609600"/>
-            <a:ext cx="5731510" cy="2813792"/>
-          </a:xfrm>
-          <a:prstGeom prst="rect">
-            <a:avLst/>
-          </a:prstGeom>
-          <a:noFill/>
-          <a:ln>
-            <a:noFill/>
-          </a:ln>
-        </p:spPr>
-      </p:pic>
+        <p:txBody>
+          <a:bodyPr>
+            <a:normAutofit/>
+          </a:bodyPr>
+          <a:lstStyle/>
+          <a:p>
+            <a:r>
+              <a:rPr lang="en-IN" b="1" dirty="0"/>
+              <a:t>Baseline Queues:</a:t>
+            </a:r>
+            <a:endParaRPr lang="en-IN" dirty="0"/>
+          </a:p>
+          <a:p>
+            <a:pPr lvl="1"/>
+            <a:r>
+              <a:rPr lang="en-IN" dirty="0"/>
+              <a:t>FIFO → real-time tasks</a:t>
+            </a:r>
+          </a:p>
+          <a:p>
+            <a:pPr lvl="1"/>
+            <a:r>
+              <a:rPr lang="en-IN" dirty="0"/>
+              <a:t>RR → interactive, short tasks</a:t>
+            </a:r>
+          </a:p>
+          <a:p>
+            <a:pPr lvl="1"/>
+            <a:r>
+              <a:rPr lang="en-IN" dirty="0"/>
+              <a:t>CFS → general-purpose fairness</a:t>
+            </a:r>
+          </a:p>
+          <a:p>
+            <a:pPr lvl="1"/>
+            <a:r>
+              <a:rPr lang="en-IN" dirty="0"/>
+              <a:t>IDLE → background jobs</a:t>
+            </a:r>
+          </a:p>
+          <a:p>
+            <a:r>
+              <a:rPr lang="en-IN" b="1" dirty="0"/>
+              <a:t>AI Augmentations:</a:t>
+            </a:r>
+            <a:endParaRPr lang="en-IN" dirty="0"/>
+          </a:p>
+          <a:p>
+            <a:pPr lvl="1"/>
+            <a:r>
+              <a:rPr lang="en-IN" b="1" dirty="0"/>
+              <a:t>Scheduler assignment:</a:t>
+            </a:r>
+            <a:r>
+              <a:rPr lang="en-IN" dirty="0"/>
+              <a:t> Classifier score decides queue</a:t>
+            </a:r>
+          </a:p>
+          <a:p>
+            <a:pPr lvl="1"/>
+            <a:r>
+              <a:rPr lang="en-IN" b="1" dirty="0"/>
+              <a:t>VRUNTIME scaling:</a:t>
+            </a:r>
+            <a:r>
+              <a:rPr lang="en-IN" dirty="0"/>
+              <a:t> Favor high-score tasks in CFS</a:t>
+            </a:r>
+          </a:p>
+          <a:p>
+            <a:pPr lvl="1"/>
+            <a:r>
+              <a:rPr lang="en-IN" b="1" dirty="0"/>
+              <a:t>Quantum scaling:</a:t>
+            </a:r>
+            <a:r>
+              <a:rPr lang="en-IN" dirty="0"/>
+              <a:t> Longer/important tasks get larger time slices in RR &amp; CFS</a:t>
+            </a:r>
+          </a:p>
+          <a:p>
+            <a:r>
+              <a:rPr lang="en-IN" b="1" dirty="0"/>
+              <a:t>Decision Flow:</a:t>
+            </a:r>
+          </a:p>
+          <a:p>
+            <a:pPr lvl="1"/>
+            <a:r>
+              <a:rPr lang="en-IN" dirty="0"/>
+              <a:t>Input task → ML classification → Score → Queue + Quantum → Execution</a:t>
+            </a:r>
+          </a:p>
+          <a:p>
+            <a:endParaRPr lang="en-IN" dirty="0"/>
+          </a:p>
+        </p:txBody>
+      </p:sp>
     </p:spTree>
     <p:extLst>
       <p:ext uri="{BB962C8B-B14F-4D97-AF65-F5344CB8AC3E}">
-        <p14:creationId xmlns:p14="http://schemas.microsoft.com/office/powerpoint/2010/main" val="1906100478"/>
+        <p14:creationId xmlns:p14="http://schemas.microsoft.com/office/powerpoint/2010/main" val="3095594029"/>
       </p:ext>
     </p:extLst>
   </p:cSld>
@@ -10957,7 +10894,7 @@
           <p:cNvPr id="2" name="Title 1">
             <a:extLst>
               <a:ext uri="{FF2B5EF4-FFF2-40B4-BE49-F238E27FC236}">
-                <a16:creationId xmlns:a16="http://schemas.microsoft.com/office/drawing/2014/main" id="{86323A86-B015-BDBA-C340-28C32A182BF5}"/>
+                <a16:creationId xmlns:a16="http://schemas.microsoft.com/office/drawing/2014/main" id="{E4F067B7-D39F-D900-7C31-6046D779CF32}"/>
               </a:ext>
             </a:extLst>
           </p:cNvPr>
@@ -10975,7 +10912,7 @@
           <a:p>
             <a:r>
               <a:rPr lang="en-IN" dirty="0"/>
-              <a:t>Scheduler Design</a:t>
+              <a:t>Evaluation Setup</a:t>
             </a:r>
           </a:p>
         </p:txBody>
@@ -10985,7 +10922,7 @@
           <p:cNvPr id="3" name="Content Placeholder 2">
             <a:extLst>
               <a:ext uri="{FF2B5EF4-FFF2-40B4-BE49-F238E27FC236}">
-                <a16:creationId xmlns:a16="http://schemas.microsoft.com/office/drawing/2014/main" id="{32D3F206-C6BF-DA72-7244-1F53BD53E9D0}"/>
+                <a16:creationId xmlns:a16="http://schemas.microsoft.com/office/drawing/2014/main" id="{09EF34D9-2C4C-8343-EA9E-F7902DC8EECA}"/>
               </a:ext>
             </a:extLst>
           </p:cNvPr>
@@ -10996,21 +10933,34 @@
             <p:ph idx="1"/>
           </p:nvPr>
         </p:nvSpPr>
-        <p:spPr>
-          <a:xfrm>
-            <a:off x="677334" y="1724297"/>
-            <a:ext cx="8596668" cy="4415246"/>
-          </a:xfrm>
-        </p:spPr>
-        <p:txBody>
-          <a:bodyPr>
-            <a:normAutofit/>
-          </a:bodyPr>
+        <p:spPr/>
+        <p:txBody>
+          <a:bodyPr/>
           <a:lstStyle/>
           <a:p>
             <a:r>
               <a:rPr lang="en-IN" b="1" dirty="0"/>
-              <a:t>Baseline Queues:</a:t>
+              <a:t>Workloads used:</a:t>
+            </a:r>
+            <a:r>
+              <a:rPr lang="en-IN" dirty="0"/>
+              <a:t> CPU-bound, IO-bound, Batch, Real-time, Stress, Mixed Realistic</a:t>
+            </a:r>
+          </a:p>
+          <a:p>
+            <a:r>
+              <a:rPr lang="en-IN" b="1" dirty="0"/>
+              <a:t>Dataset sizes:</a:t>
+            </a:r>
+            <a:r>
+              <a:rPr lang="en-IN" dirty="0"/>
+              <a:t> ~900–1400 tasks per workload (Mixed Realistic = 1227 tasks)</a:t>
+            </a:r>
+          </a:p>
+          <a:p>
+            <a:r>
+              <a:rPr lang="en-IN" b="1" dirty="0"/>
+              <a:t>Metrics evaluated:</a:t>
             </a:r>
             <a:endParaRPr lang="en-IN" dirty="0"/>
           </a:p>
@@ -11018,81 +10968,35 @@
             <a:pPr lvl="1"/>
             <a:r>
               <a:rPr lang="en-IN" dirty="0"/>
-              <a:t>FIFO → real-time tasks</a:t>
+              <a:t>Turnaround time (average, median)</a:t>
             </a:r>
           </a:p>
           <a:p>
             <a:pPr lvl="1"/>
             <a:r>
               <a:rPr lang="en-IN" dirty="0"/>
-              <a:t>RR → interactive, short tasks</a:t>
+              <a:t>Response time (average, p95)</a:t>
             </a:r>
           </a:p>
           <a:p>
             <a:pPr lvl="1"/>
             <a:r>
               <a:rPr lang="en-IN" dirty="0"/>
-              <a:t>CFS → general-purpose fairness</a:t>
+              <a:t>Fairness (Jain index)</a:t>
             </a:r>
           </a:p>
           <a:p>
             <a:pPr lvl="1"/>
             <a:r>
               <a:rPr lang="en-IN" dirty="0"/>
-              <a:t>IDLE → background jobs</a:t>
-            </a:r>
-          </a:p>
-          <a:p>
-            <a:r>
-              <a:rPr lang="en-IN" b="1" dirty="0"/>
-              <a:t>AI Augmentations:</a:t>
-            </a:r>
-            <a:endParaRPr lang="en-IN" dirty="0"/>
+              <a:t>Throughput &amp; CPU utilization</a:t>
+            </a:r>
           </a:p>
           <a:p>
             <a:pPr lvl="1"/>
             <a:r>
-              <a:rPr lang="en-IN" b="1" dirty="0"/>
-              <a:t>Scheduler assignment:</a:t>
-            </a:r>
-            <a:r>
               <a:rPr lang="en-IN" dirty="0"/>
-              <a:t> Classifier score decides queue</a:t>
-            </a:r>
-          </a:p>
-          <a:p>
-            <a:pPr lvl="1"/>
-            <a:r>
-              <a:rPr lang="en-IN" b="1" dirty="0"/>
-              <a:t>VRUNTIME scaling:</a:t>
-            </a:r>
-            <a:r>
-              <a:rPr lang="en-IN" dirty="0"/>
-              <a:t> Favor high-score tasks in CFS</a:t>
-            </a:r>
-          </a:p>
-          <a:p>
-            <a:pPr lvl="1"/>
-            <a:r>
-              <a:rPr lang="en-IN" b="1" dirty="0"/>
-              <a:t>Quantum scaling:</a:t>
-            </a:r>
-            <a:r>
-              <a:rPr lang="en-IN" dirty="0"/>
-              <a:t> Longer/important tasks get larger time slices in RR &amp; CFS</a:t>
-            </a:r>
-          </a:p>
-          <a:p>
-            <a:r>
-              <a:rPr lang="en-IN" b="1" dirty="0"/>
-              <a:t>Decision Flow:</a:t>
-            </a:r>
-          </a:p>
-          <a:p>
-            <a:pPr lvl="1"/>
-            <a:r>
-              <a:rPr lang="en-IN" dirty="0"/>
-              <a:t>Input task → ML classification → Score → Queue + Quantum → Execution</a:t>
+              <a:t>Context switches</a:t>
             </a:r>
           </a:p>
           <a:p>
@@ -11103,7 +11007,7 @@
     </p:spTree>
     <p:extLst>
       <p:ext uri="{BB962C8B-B14F-4D97-AF65-F5344CB8AC3E}">
-        <p14:creationId xmlns:p14="http://schemas.microsoft.com/office/powerpoint/2010/main" val="3095594029"/>
+        <p14:creationId xmlns:p14="http://schemas.microsoft.com/office/powerpoint/2010/main" val="4112450394"/>
       </p:ext>
     </p:extLst>
   </p:cSld>
